--- a/l03-MotoriDiRicerca/Lab motori ricerca.pptx
+++ b/l03-MotoriDiRicerca/Lab motori ricerca.pptx
@@ -11248,15 +11248,33 @@
             <a:p>
               <a:pPr eaLnBrk="0" hangingPunct="0"/>
               <a:r>
-                <a:rPr lang="it-IT" altLang="en-US" sz="2400">
+                <a:rPr lang="it-IT" altLang="en-US" sz="2400" dirty="0">
                   <a:solidFill>
                     <a:schemeClr val="tx2"/>
                   </a:solidFill>
                   <a:latin typeface="Comic Sans MS" panose="030F0702030302020204" pitchFamily="66" charset="0"/>
                 </a:rPr>
-                <a:t>T = mississippi#</a:t>
+                <a:t>T = </a:t>
               </a:r>
-              <a:endParaRPr lang="en-US" altLang="en-US" sz="2400">
+              <a:r>
+                <a:rPr lang="it-IT" altLang="en-US" sz="2400" dirty="0" err="1">
+                  <a:solidFill>
+                    <a:schemeClr val="tx2"/>
+                  </a:solidFill>
+                  <a:latin typeface="Comic Sans MS" panose="030F0702030302020204" pitchFamily="66" charset="0"/>
+                </a:rPr>
+                <a:t>mississippi</a:t>
+              </a:r>
+              <a:r>
+                <a:rPr lang="it-IT" altLang="en-US" sz="2400" dirty="0">
+                  <a:solidFill>
+                    <a:schemeClr val="tx2"/>
+                  </a:solidFill>
+                  <a:latin typeface="Comic Sans MS" panose="030F0702030302020204" pitchFamily="66" charset="0"/>
+                </a:rPr>
+                <a:t>#</a:t>
+              </a:r>
+              <a:endParaRPr lang="en-US" altLang="en-US" sz="2400" dirty="0">
                 <a:solidFill>
                   <a:schemeClr val="tx2"/>
                 </a:solidFill>
@@ -11803,7 +11821,7 @@
           <a:lstStyle/>
           <a:p>
             <a:r>
-              <a:rPr lang="en-GB" sz="3600" dirty="0" err="1" smtClean="0">
+              <a:rPr lang="en-GB" sz="3200" dirty="0" err="1" smtClean="0">
                 <a:solidFill>
                   <a:srgbClr val="FF0000"/>
                 </a:solidFill>
@@ -11811,14 +11829,14 @@
               <a:t>Costruzione</a:t>
             </a:r>
             <a:r>
-              <a:rPr lang="en-GB" sz="3600" dirty="0" smtClean="0">
+              <a:rPr lang="en-GB" sz="3200" dirty="0" smtClean="0">
                 <a:solidFill>
                   <a:srgbClr val="FF0000"/>
                 </a:solidFill>
               </a:rPr>
-              <a:t> Suffix Array in Python</a:t>
+              <a:t> Suffix Array in Python (v1)</a:t>
             </a:r>
-            <a:endParaRPr lang="en-GB" sz="3600" dirty="0">
+            <a:endParaRPr lang="en-GB" sz="3200" dirty="0">
               <a:solidFill>
                 <a:srgbClr val="FF0000"/>
               </a:solidFill>
@@ -11826,56 +11844,246 @@
           </a:p>
         </p:txBody>
       </p:sp>
-      <p:sp>
-        <p:nvSpPr>
-          <p:cNvPr id="3" name="Content Placeholder 2"/>
-          <p:cNvSpPr>
-            <a:spLocks noGrp="1"/>
-          </p:cNvSpPr>
-          <p:nvPr>
-            <p:ph idx="1"/>
-          </p:nvPr>
-        </p:nvSpPr>
-        <p:spPr/>
-        <p:txBody>
-          <a:bodyPr/>
-          <a:lstStyle/>
-          <a:p>
-            <a:r>
-              <a:rPr lang="en-GB" dirty="0" smtClean="0"/>
-              <a:t>(code </a:t>
-            </a:r>
-            <a:r>
-              <a:rPr lang="en-GB" dirty="0" err="1" smtClean="0"/>
-              <a:t>quadratico</a:t>
-            </a:r>
-            <a:r>
-              <a:rPr lang="en-GB" dirty="0" smtClean="0"/>
-              <a:t> in </a:t>
-            </a:r>
-            <a:r>
-              <a:rPr lang="en-GB" dirty="0" err="1" smtClean="0"/>
-              <a:t>spazio</a:t>
-            </a:r>
-            <a:r>
-              <a:rPr lang="en-GB" dirty="0" smtClean="0"/>
-              <a:t>)</a:t>
-            </a:r>
-          </a:p>
-          <a:p>
-            <a:r>
-              <a:rPr lang="en-GB" dirty="0"/>
-              <a:t>Tempo n^2 log n</a:t>
-            </a:r>
-          </a:p>
-          <a:p>
-            <a:pPr marL="0" indent="0">
-              <a:buNone/>
-            </a:pPr>
-            <a:endParaRPr lang="en-GB" dirty="0"/>
-          </a:p>
-        </p:txBody>
-      </p:sp>
+      <mc:AlternateContent xmlns:mc="http://schemas.openxmlformats.org/markup-compatibility/2006">
+        <mc:Choice xmlns:a14="http://schemas.microsoft.com/office/drawing/2010/main" Requires="a14">
+          <p:sp>
+            <p:nvSpPr>
+              <p:cNvPr id="3" name="Content Placeholder 2"/>
+              <p:cNvSpPr>
+                <a:spLocks noGrp="1"/>
+              </p:cNvSpPr>
+              <p:nvPr>
+                <p:ph idx="1"/>
+              </p:nvPr>
+            </p:nvSpPr>
+            <p:spPr>
+              <a:xfrm>
+                <a:off x="561200" y="4653136"/>
+                <a:ext cx="7772400" cy="1976264"/>
+              </a:xfrm>
+            </p:spPr>
+            <p:txBody>
+              <a:bodyPr/>
+              <a:lstStyle/>
+              <a:p>
+                <a:pPr marL="0" indent="0">
+                  <a:buNone/>
+                </a:pPr>
+                <a:endParaRPr lang="en-GB" dirty="0" smtClean="0"/>
+              </a:p>
+              <a:p>
+                <a:r>
+                  <a:rPr lang="en-GB" dirty="0" err="1" smtClean="0"/>
+                  <a:t>Spazio</a:t>
+                </a:r>
+                <a:r>
+                  <a:rPr lang="en-GB" dirty="0" smtClean="0"/>
+                  <a:t>: </a:t>
+                </a:r>
+                <a14:m>
+                  <m:oMath xmlns:m="http://schemas.openxmlformats.org/officeDocument/2006/math">
+                    <m:sSup>
+                      <m:sSupPr>
+                        <m:ctrlPr>
+                          <a:rPr lang="en-GB" b="0" i="1" smtClean="0">
+                            <a:latin typeface="Cambria Math" panose="02040503050406030204" pitchFamily="18" charset="0"/>
+                          </a:rPr>
+                        </m:ctrlPr>
+                      </m:sSupPr>
+                      <m:e>
+                        <m:r>
+                          <a:rPr lang="en-GB" i="1">
+                            <a:latin typeface="Cambria Math" panose="02040503050406030204" pitchFamily="18" charset="0"/>
+                          </a:rPr>
+                          <m:t>𝑛</m:t>
+                        </m:r>
+                      </m:e>
+                      <m:sup>
+                        <m:r>
+                          <a:rPr lang="en-GB" b="0" i="1" smtClean="0">
+                            <a:latin typeface="Cambria Math" panose="02040503050406030204" pitchFamily="18" charset="0"/>
+                          </a:rPr>
+                          <m:t>2</m:t>
+                        </m:r>
+                      </m:sup>
+                    </m:sSup>
+                  </m:oMath>
+                </a14:m>
+                <a:r>
+                  <a:rPr lang="en-GB" dirty="0" smtClean="0"/>
+                  <a:t> (</a:t>
+                </a:r>
+                <a:r>
+                  <a:rPr lang="en-GB" dirty="0" err="1" smtClean="0">
+                    <a:solidFill>
+                      <a:srgbClr val="FF0000"/>
+                    </a:solidFill>
+                  </a:rPr>
+                  <a:t>spazio</a:t>
+                </a:r>
+                <a:r>
+                  <a:rPr lang="en-GB" dirty="0" smtClean="0">
+                    <a:solidFill>
+                      <a:srgbClr val="FF0000"/>
+                    </a:solidFill>
+                  </a:rPr>
+                  <a:t> </a:t>
+                </a:r>
+                <a:r>
+                  <a:rPr lang="en-GB" dirty="0" err="1" smtClean="0">
+                    <a:solidFill>
+                      <a:srgbClr val="FF0000"/>
+                    </a:solidFill>
+                  </a:rPr>
+                  <a:t>quadratico</a:t>
+                </a:r>
+                <a:r>
+                  <a:rPr lang="en-GB" dirty="0" smtClean="0"/>
+                  <a:t>)</a:t>
+                </a:r>
+              </a:p>
+              <a:p>
+                <a:r>
+                  <a:rPr lang="en-GB" dirty="0" smtClean="0"/>
+                  <a:t>Tempo: </a:t>
+                </a:r>
+                <a14:m>
+                  <m:oMath xmlns:m="http://schemas.openxmlformats.org/officeDocument/2006/math">
+                    <m:sSup>
+                      <m:sSupPr>
+                        <m:ctrlPr>
+                          <a:rPr lang="en-GB" i="1">
+                            <a:latin typeface="Cambria Math" panose="02040503050406030204" pitchFamily="18" charset="0"/>
+                          </a:rPr>
+                        </m:ctrlPr>
+                      </m:sSupPr>
+                      <m:e>
+                        <m:r>
+                          <m:rPr>
+                            <m:sty m:val="p"/>
+                          </m:rPr>
+                          <a:rPr lang="en-GB">
+                            <a:latin typeface="Cambria Math" panose="02040503050406030204" pitchFamily="18" charset="0"/>
+                          </a:rPr>
+                          <m:t>n</m:t>
+                        </m:r>
+                      </m:e>
+                      <m:sup>
+                        <m:r>
+                          <a:rPr lang="en-GB">
+                            <a:latin typeface="Cambria Math" panose="02040503050406030204" pitchFamily="18" charset="0"/>
+                          </a:rPr>
+                          <m:t>2</m:t>
+                        </m:r>
+                      </m:sup>
+                    </m:sSup>
+                    <m:func>
+                      <m:funcPr>
+                        <m:ctrlPr>
+                          <a:rPr lang="en-GB" i="1">
+                            <a:latin typeface="Cambria Math" panose="02040503050406030204" pitchFamily="18" charset="0"/>
+                          </a:rPr>
+                        </m:ctrlPr>
+                      </m:funcPr>
+                      <m:fName>
+                        <m:r>
+                          <m:rPr>
+                            <m:sty m:val="p"/>
+                          </m:rPr>
+                          <a:rPr lang="en-GB">
+                            <a:latin typeface="Cambria Math" panose="02040503050406030204" pitchFamily="18" charset="0"/>
+                          </a:rPr>
+                          <m:t>log</m:t>
+                        </m:r>
+                      </m:fName>
+                      <m:e>
+                        <m:r>
+                          <a:rPr lang="en-GB" i="1">
+                            <a:latin typeface="Cambria Math" panose="02040503050406030204" pitchFamily="18" charset="0"/>
+                          </a:rPr>
+                          <m:t>𝑛</m:t>
+                        </m:r>
+                      </m:e>
+                    </m:func>
+                  </m:oMath>
+                </a14:m>
+                <a:endParaRPr lang="en-GB" dirty="0"/>
+              </a:p>
+            </p:txBody>
+          </p:sp>
+        </mc:Choice>
+        <mc:Fallback>
+          <p:sp>
+            <p:nvSpPr>
+              <p:cNvPr id="3" name="Content Placeholder 2"/>
+              <p:cNvSpPr>
+                <a:spLocks noGrp="1" noRot="1" noChangeAspect="1" noMove="1" noResize="1" noEditPoints="1" noAdjustHandles="1" noChangeArrowheads="1" noChangeShapeType="1" noTextEdit="1"/>
+              </p:cNvSpPr>
+              <p:nvPr>
+                <p:ph idx="1"/>
+              </p:nvPr>
+            </p:nvSpPr>
+            <p:spPr>
+              <a:xfrm>
+                <a:off x="561200" y="4653136"/>
+                <a:ext cx="7772400" cy="1976264"/>
+              </a:xfrm>
+              <a:blipFill>
+                <a:blip r:embed="rId2"/>
+                <a:stretch>
+                  <a:fillRect l="-314"/>
+                </a:stretch>
+              </a:blipFill>
+            </p:spPr>
+            <p:txBody>
+              <a:bodyPr/>
+              <a:lstStyle/>
+              <a:p>
+                <a:r>
+                  <a:rPr lang="en-GB">
+                    <a:noFill/>
+                  </a:rPr>
+                  <a:t> </a:t>
+                </a:r>
+              </a:p>
+            </p:txBody>
+          </p:sp>
+        </mc:Fallback>
+      </mc:AlternateContent>
+      <p:pic>
+        <p:nvPicPr>
+          <p:cNvPr id="6" name="Picture 5"/>
+          <p:cNvPicPr>
+            <a:picLocks noChangeAspect="1"/>
+          </p:cNvPicPr>
+          <p:nvPr/>
+        </p:nvPicPr>
+        <p:blipFill>
+          <a:blip r:embed="rId3"/>
+          <a:stretch>
+            <a:fillRect/>
+          </a:stretch>
+        </p:blipFill>
+        <p:spPr>
+          <a:xfrm>
+            <a:off x="533400" y="1916832"/>
+            <a:ext cx="8391525" cy="2447925"/>
+          </a:xfrm>
+          <a:prstGeom prst="rect">
+            <a:avLst/>
+          </a:prstGeom>
+          <a:ln>
+            <a:noFill/>
+          </a:ln>
+          <a:effectLst>
+            <a:outerShdw blurRad="292100" dist="139700" dir="2700000" algn="tl" rotWithShape="0">
+              <a:srgbClr val="333333">
+                <a:alpha val="65000"/>
+              </a:srgbClr>
+            </a:outerShdw>
+          </a:effectLst>
+        </p:spPr>
+      </p:pic>
     </p:spTree>
     <p:extLst>
       <p:ext uri="{BB962C8B-B14F-4D97-AF65-F5344CB8AC3E}">
@@ -11916,13 +12124,18 @@
             <p:ph type="title"/>
           </p:nvPr>
         </p:nvSpPr>
-        <p:spPr/>
+        <p:spPr>
+          <a:xfrm>
+            <a:off x="533400" y="381000"/>
+            <a:ext cx="8610600" cy="990600"/>
+          </a:xfrm>
+        </p:spPr>
         <p:txBody>
           <a:bodyPr/>
           <a:lstStyle/>
           <a:p>
             <a:r>
-              <a:rPr lang="en-GB" sz="3600" dirty="0" err="1" smtClean="0">
+              <a:rPr lang="en-GB" sz="3200" dirty="0" err="1" smtClean="0">
                 <a:solidFill>
                   <a:srgbClr val="FF0000"/>
                 </a:solidFill>
@@ -11930,14 +12143,14 @@
               <a:t>Costruzione</a:t>
             </a:r>
             <a:r>
-              <a:rPr lang="en-GB" sz="3600" dirty="0" smtClean="0">
+              <a:rPr lang="en-GB" sz="3200" dirty="0" smtClean="0">
                 <a:solidFill>
                   <a:srgbClr val="FF0000"/>
                 </a:solidFill>
               </a:rPr>
-              <a:t> Suffix Array in Python</a:t>
+              <a:t> Suffix Array in Python (v2)</a:t>
             </a:r>
-            <a:endParaRPr lang="en-GB" sz="3600" dirty="0">
+            <a:endParaRPr lang="en-GB" sz="3200" dirty="0">
               <a:solidFill>
                 <a:srgbClr val="FF0000"/>
               </a:solidFill>
@@ -11945,51 +12158,213 @@
           </a:p>
         </p:txBody>
       </p:sp>
-      <p:sp>
-        <p:nvSpPr>
-          <p:cNvPr id="3" name="Content Placeholder 2"/>
-          <p:cNvSpPr>
-            <a:spLocks noGrp="1"/>
-          </p:cNvSpPr>
-          <p:nvPr>
-            <p:ph idx="1"/>
-          </p:nvPr>
-        </p:nvSpPr>
-        <p:spPr/>
-        <p:txBody>
-          <a:bodyPr/>
-          <a:lstStyle/>
-          <a:p>
-            <a:r>
-              <a:rPr lang="en-GB" dirty="0" smtClean="0"/>
-              <a:t>(code </a:t>
-            </a:r>
-            <a:r>
-              <a:rPr lang="en-GB" dirty="0" err="1" smtClean="0"/>
-              <a:t>spazio</a:t>
-            </a:r>
-            <a:r>
-              <a:rPr lang="en-GB" dirty="0" smtClean="0"/>
-              <a:t> </a:t>
-            </a:r>
-            <a:r>
-              <a:rPr lang="en-GB" dirty="0" err="1" smtClean="0"/>
-              <a:t>lineare</a:t>
-            </a:r>
-            <a:r>
-              <a:rPr lang="en-GB" dirty="0" smtClean="0"/>
-              <a:t>)</a:t>
-            </a:r>
-          </a:p>
-          <a:p>
-            <a:r>
-              <a:rPr lang="en-GB" dirty="0" smtClean="0"/>
-              <a:t>Tempo n^2 log n</a:t>
-            </a:r>
-            <a:endParaRPr lang="en-GB" dirty="0"/>
-          </a:p>
-        </p:txBody>
-      </p:sp>
+      <mc:AlternateContent xmlns:mc="http://schemas.openxmlformats.org/markup-compatibility/2006">
+        <mc:Choice xmlns:a14="http://schemas.microsoft.com/office/drawing/2010/main" Requires="a14">
+          <p:sp>
+            <p:nvSpPr>
+              <p:cNvPr id="3" name="Content Placeholder 2"/>
+              <p:cNvSpPr>
+                <a:spLocks noGrp="1"/>
+              </p:cNvSpPr>
+              <p:nvPr>
+                <p:ph idx="1"/>
+              </p:nvPr>
+            </p:nvSpPr>
+            <p:spPr>
+              <a:xfrm>
+                <a:off x="843940" y="5533975"/>
+                <a:ext cx="7772400" cy="1204392"/>
+              </a:xfrm>
+            </p:spPr>
+            <p:txBody>
+              <a:bodyPr/>
+              <a:lstStyle/>
+              <a:p>
+                <a:r>
+                  <a:rPr lang="en-GB" dirty="0" smtClean="0"/>
+                  <a:t>Spazio: </a:t>
+                </a:r>
+                <a14:m>
+                  <m:oMath xmlns:m="http://schemas.openxmlformats.org/officeDocument/2006/math">
+                    <m:r>
+                      <a:rPr lang="en-GB" b="0" i="1" smtClean="0">
+                        <a:latin typeface="Cambria Math" panose="02040503050406030204" pitchFamily="18" charset="0"/>
+                      </a:rPr>
+                      <m:t>𝑛</m:t>
+                    </m:r>
+                  </m:oMath>
+                </a14:m>
+                <a:r>
+                  <a:rPr lang="en-GB" dirty="0" smtClean="0"/>
+                  <a:t> </a:t>
+                </a:r>
+                <a:r>
+                  <a:rPr lang="en-GB" dirty="0" smtClean="0">
+                    <a:solidFill>
+                      <a:srgbClr val="FF0000"/>
+                    </a:solidFill>
+                  </a:rPr>
+                  <a:t>(</a:t>
+                </a:r>
+                <a:r>
+                  <a:rPr lang="en-GB" dirty="0" err="1" smtClean="0">
+                    <a:solidFill>
+                      <a:srgbClr val="FF0000"/>
+                    </a:solidFill>
+                  </a:rPr>
+                  <a:t>lineare</a:t>
+                </a:r>
+                <a:r>
+                  <a:rPr lang="en-GB" dirty="0" smtClean="0">
+                    <a:solidFill>
+                      <a:srgbClr val="FF0000"/>
+                    </a:solidFill>
+                  </a:rPr>
+                  <a:t>) </a:t>
+                </a:r>
+              </a:p>
+              <a:p>
+                <a:r>
+                  <a:rPr lang="en-GB" dirty="0" smtClean="0"/>
+                  <a:t>Tempo: </a:t>
+                </a:r>
+                <a14:m>
+                  <m:oMath xmlns:m="http://schemas.openxmlformats.org/officeDocument/2006/math">
+                    <m:sSup>
+                      <m:sSupPr>
+                        <m:ctrlPr>
+                          <a:rPr lang="en-GB" b="0" i="0" smtClean="0">
+                            <a:latin typeface="Cambria Math" panose="02040503050406030204" pitchFamily="18" charset="0"/>
+                          </a:rPr>
+                        </m:ctrlPr>
+                      </m:sSupPr>
+                      <m:e>
+                        <m:r>
+                          <m:rPr>
+                            <m:sty m:val="p"/>
+                          </m:rPr>
+                          <a:rPr lang="en-GB" b="0" i="0" smtClean="0">
+                            <a:latin typeface="Cambria Math" panose="02040503050406030204" pitchFamily="18" charset="0"/>
+                          </a:rPr>
+                          <m:t>n</m:t>
+                        </m:r>
+                      </m:e>
+                      <m:sup>
+                        <m:r>
+                          <a:rPr lang="en-GB" b="0" i="0" smtClean="0">
+                            <a:latin typeface="Cambria Math" panose="02040503050406030204" pitchFamily="18" charset="0"/>
+                          </a:rPr>
+                          <m:t>2</m:t>
+                        </m:r>
+                      </m:sup>
+                    </m:sSup>
+                    <m:func>
+                      <m:funcPr>
+                        <m:ctrlPr>
+                          <a:rPr lang="en-GB" b="0" i="1" smtClean="0">
+                            <a:latin typeface="Cambria Math" panose="02040503050406030204" pitchFamily="18" charset="0"/>
+                          </a:rPr>
+                        </m:ctrlPr>
+                      </m:funcPr>
+                      <m:fName>
+                        <m:r>
+                          <m:rPr>
+                            <m:sty m:val="p"/>
+                          </m:rPr>
+                          <a:rPr lang="en-GB" b="0" i="0" smtClean="0">
+                            <a:latin typeface="Cambria Math" panose="02040503050406030204" pitchFamily="18" charset="0"/>
+                          </a:rPr>
+                          <m:t>log</m:t>
+                        </m:r>
+                      </m:fName>
+                      <m:e>
+                        <m:r>
+                          <a:rPr lang="en-GB" b="0" i="1" smtClean="0">
+                            <a:latin typeface="Cambria Math" panose="02040503050406030204" pitchFamily="18" charset="0"/>
+                          </a:rPr>
+                          <m:t>𝑛</m:t>
+                        </m:r>
+                      </m:e>
+                    </m:func>
+                  </m:oMath>
+                </a14:m>
+                <a:endParaRPr lang="en-GB" dirty="0"/>
+              </a:p>
+            </p:txBody>
+          </p:sp>
+        </mc:Choice>
+        <mc:Fallback>
+          <p:sp>
+            <p:nvSpPr>
+              <p:cNvPr id="3" name="Content Placeholder 2"/>
+              <p:cNvSpPr>
+                <a:spLocks noGrp="1" noRot="1" noChangeAspect="1" noMove="1" noResize="1" noEditPoints="1" noAdjustHandles="1" noChangeArrowheads="1" noChangeShapeType="1" noTextEdit="1"/>
+              </p:cNvSpPr>
+              <p:nvPr>
+                <p:ph idx="1"/>
+              </p:nvPr>
+            </p:nvSpPr>
+            <p:spPr>
+              <a:xfrm>
+                <a:off x="843940" y="5533975"/>
+                <a:ext cx="7772400" cy="1204392"/>
+              </a:xfrm>
+              <a:blipFill>
+                <a:blip r:embed="rId2"/>
+                <a:stretch>
+                  <a:fillRect l="-314" t="-4569"/>
+                </a:stretch>
+              </a:blipFill>
+            </p:spPr>
+            <p:txBody>
+              <a:bodyPr/>
+              <a:lstStyle/>
+              <a:p>
+                <a:r>
+                  <a:rPr lang="en-GB">
+                    <a:noFill/>
+                  </a:rPr>
+                  <a:t> </a:t>
+                </a:r>
+              </a:p>
+            </p:txBody>
+          </p:sp>
+        </mc:Fallback>
+      </mc:AlternateContent>
+      <p:pic>
+        <p:nvPicPr>
+          <p:cNvPr id="7" name="Picture 6"/>
+          <p:cNvPicPr>
+            <a:picLocks noChangeAspect="1"/>
+          </p:cNvPicPr>
+          <p:nvPr/>
+        </p:nvPicPr>
+        <p:blipFill>
+          <a:blip r:embed="rId3"/>
+          <a:stretch>
+            <a:fillRect/>
+          </a:stretch>
+        </p:blipFill>
+        <p:spPr>
+          <a:xfrm>
+            <a:off x="1547664" y="1844824"/>
+            <a:ext cx="5760640" cy="3311829"/>
+          </a:xfrm>
+          <a:prstGeom prst="rect">
+            <a:avLst/>
+          </a:prstGeom>
+          <a:ln>
+            <a:noFill/>
+          </a:ln>
+          <a:effectLst>
+            <a:outerShdw blurRad="292100" dist="139700" dir="2700000" algn="tl" rotWithShape="0">
+              <a:srgbClr val="333333">
+                <a:alpha val="65000"/>
+              </a:srgbClr>
+            </a:outerShdw>
+          </a:effectLst>
+        </p:spPr>
+      </p:pic>
     </p:spTree>
     <p:extLst>
       <p:ext uri="{BB962C8B-B14F-4D97-AF65-F5344CB8AC3E}">
@@ -28351,7 +28726,7 @@
           <a:graphicData uri="http://schemas.openxmlformats.org/presentationml/2006/ole">
             <mc:AlternateContent xmlns:mc="http://schemas.openxmlformats.org/markup-compatibility/2006">
               <mc:Choice xmlns:v="urn:schemas-microsoft-com:vml" Requires="v">
-                <p:oleObj spid="_x0000_s2077" name="Immagine bitmap" r:id="rId4" imgW="1555750" imgH="1358900" progId="PBrush">
+                <p:oleObj spid="_x0000_s2078" name="Immagine bitmap" r:id="rId4" imgW="1555750" imgH="1358900" progId="PBrush">
                   <p:embed/>
                 </p:oleObj>
               </mc:Choice>
@@ -34635,7 +35010,7 @@
           <a:graphicData uri="http://schemas.openxmlformats.org/presentationml/2006/ole">
             <mc:AlternateContent xmlns:mc="http://schemas.openxmlformats.org/markup-compatibility/2006">
               <mc:Choice xmlns:v="urn:schemas-microsoft-com:vml" Requires="v">
-                <p:oleObj spid="_x0000_s3101" name="Equation" r:id="rId3" imgW="49149000" imgH="9944100" progId="Equation.3">
+                <p:oleObj spid="_x0000_s3102" name="Equation" r:id="rId3" imgW="49149000" imgH="9944100" progId="Equation.3">
                   <p:embed/>
                 </p:oleObj>
               </mc:Choice>

--- a/l03-MotoriDiRicerca/Lab motori ricerca.pptx
+++ b/l03-MotoriDiRicerca/Lab motori ricerca.pptx
@@ -11844,8 +11844,8 @@
           </a:p>
         </p:txBody>
       </p:sp>
-      <mc:AlternateContent xmlns:mc="http://schemas.openxmlformats.org/markup-compatibility/2006">
-        <mc:Choice xmlns:a14="http://schemas.microsoft.com/office/drawing/2010/main" Requires="a14">
+      <mc:AlternateContent xmlns:mc="http://schemas.openxmlformats.org/markup-compatibility/2006" xmlns:a14="http://schemas.microsoft.com/office/drawing/2010/main">
+        <mc:Choice Requires="a14">
           <p:sp>
             <p:nvSpPr>
               <p:cNvPr id="3" name="Content Placeholder 2"/>
@@ -12012,7 +12012,7 @@
             </p:txBody>
           </p:sp>
         </mc:Choice>
-        <mc:Fallback>
+        <mc:Fallback xmlns="">
           <p:sp>
             <p:nvSpPr>
               <p:cNvPr id="3" name="Content Placeholder 2"/>
@@ -12158,8 +12158,8 @@
           </a:p>
         </p:txBody>
       </p:sp>
-      <mc:AlternateContent xmlns:mc="http://schemas.openxmlformats.org/markup-compatibility/2006">
-        <mc:Choice xmlns:a14="http://schemas.microsoft.com/office/drawing/2010/main" Requires="a14">
+      <mc:AlternateContent xmlns:mc="http://schemas.openxmlformats.org/markup-compatibility/2006" xmlns:a14="http://schemas.microsoft.com/office/drawing/2010/main">
+        <mc:Choice Requires="a14">
           <p:sp>
             <p:nvSpPr>
               <p:cNvPr id="3" name="Content Placeholder 2"/>
@@ -12233,7 +12233,7 @@
                     <m:sSup>
                       <m:sSupPr>
                         <m:ctrlPr>
-                          <a:rPr lang="en-GB" b="0" i="0" smtClean="0">
+                          <a:rPr lang="en-GB" b="0" i="1" smtClean="0">
                             <a:latin typeface="Cambria Math" panose="02040503050406030204" pitchFamily="18" charset="0"/>
                           </a:rPr>
                         </m:ctrlPr>
@@ -12293,7 +12293,7 @@
             </p:txBody>
           </p:sp>
         </mc:Choice>
-        <mc:Fallback>
+        <mc:Fallback xmlns="">
           <p:sp>
             <p:nvSpPr>
               <p:cNvPr id="3" name="Content Placeholder 2"/>
@@ -28361,15 +28361,7 @@
                   <a:srgbClr val="FF0000"/>
                 </a:solidFill>
               </a:rPr>
-              <a:t>Plagio </a:t>
-            </a:r>
-            <a:r>
-              <a:rPr lang="it-IT" altLang="en-US" sz="3200" dirty="0" smtClean="0">
-                <a:solidFill>
-                  <a:srgbClr val="FF0000"/>
-                </a:solidFill>
-              </a:rPr>
-              <a:t>tra du</a:t>
+              <a:t>Plagio tra du</a:t>
             </a:r>
             <a:r>
               <a:rPr lang="it-IT" altLang="en-US" sz="3200" dirty="0">
@@ -28726,7 +28718,7 @@
           <a:graphicData uri="http://schemas.openxmlformats.org/presentationml/2006/ole">
             <mc:AlternateContent xmlns:mc="http://schemas.openxmlformats.org/markup-compatibility/2006">
               <mc:Choice xmlns:v="urn:schemas-microsoft-com:vml" Requires="v">
-                <p:oleObj spid="_x0000_s2078" name="Immagine bitmap" r:id="rId4" imgW="1555750" imgH="1358900" progId="PBrush">
+                <p:oleObj spid="_x0000_s2079" name="Immagine bitmap" r:id="rId4" imgW="1555750" imgH="1358900" progId="PBrush">
                   <p:embed/>
                 </p:oleObj>
               </mc:Choice>
@@ -35010,7 +35002,7 @@
           <a:graphicData uri="http://schemas.openxmlformats.org/presentationml/2006/ole">
             <mc:AlternateContent xmlns:mc="http://schemas.openxmlformats.org/markup-compatibility/2006">
               <mc:Choice xmlns:v="urn:schemas-microsoft-com:vml" Requires="v">
-                <p:oleObj spid="_x0000_s3102" name="Equation" r:id="rId3" imgW="49149000" imgH="9944100" progId="Equation.3">
+                <p:oleObj spid="_x0000_s3103" name="Equation" r:id="rId3" imgW="49149000" imgH="9944100" progId="Equation.3">
                   <p:embed/>
                 </p:oleObj>
               </mc:Choice>
